--- a/Update PPTs/8-28-2024 Chassis Changes.pptx
+++ b/Update PPTs/8-28-2024 Chassis Changes.pptx
@@ -8,7 +8,8 @@
     <p:sldId id="256" r:id="rId2"/>
     <p:sldId id="257" r:id="rId3"/>
     <p:sldId id="258" r:id="rId4"/>
-    <p:sldId id="259" r:id="rId5"/>
+    <p:sldId id="260" r:id="rId5"/>
+    <p:sldId id="259" r:id="rId6"/>
   </p:sldIdLst>
   <p:sldSz cx="12192000" cy="6858000"/>
   <p:notesSz cx="6858000" cy="9144000"/>
@@ -107,6 +108,11 @@
       </a:defRPr>
     </a:lvl9pPr>
   </p:defaultTextStyle>
+  <p:extLst>
+    <p:ext uri="{EFAFB233-063F-42B5-8137-9DF3F51BA10A}">
+      <p15:sldGuideLst xmlns:p15="http://schemas.microsoft.com/office/powerpoint/2012/main"/>
+    </p:ext>
+  </p:extLst>
 </p:presentation>
 </file>
 
@@ -257,7 +263,7 @@
           <a:p>
             <a:fld id="{F38D1DEC-B209-46FD-8804-CE3978FB8D7A}" type="datetimeFigureOut">
               <a:rPr lang="en-US" smtClean="0"/>
-              <a:t>8/28/2024</a:t>
+              <a:t>9/1/2024</a:t>
             </a:fld>
             <a:endParaRPr lang="en-US"/>
           </a:p>
@@ -455,7 +461,7 @@
           <a:p>
             <a:fld id="{F38D1DEC-B209-46FD-8804-CE3978FB8D7A}" type="datetimeFigureOut">
               <a:rPr lang="en-US" smtClean="0"/>
-              <a:t>8/28/2024</a:t>
+              <a:t>9/1/2024</a:t>
             </a:fld>
             <a:endParaRPr lang="en-US"/>
           </a:p>
@@ -663,7 +669,7 @@
           <a:p>
             <a:fld id="{F38D1DEC-B209-46FD-8804-CE3978FB8D7A}" type="datetimeFigureOut">
               <a:rPr lang="en-US" smtClean="0"/>
-              <a:t>8/28/2024</a:t>
+              <a:t>9/1/2024</a:t>
             </a:fld>
             <a:endParaRPr lang="en-US"/>
           </a:p>
@@ -861,7 +867,7 @@
           <a:p>
             <a:fld id="{F38D1DEC-B209-46FD-8804-CE3978FB8D7A}" type="datetimeFigureOut">
               <a:rPr lang="en-US" smtClean="0"/>
-              <a:t>8/28/2024</a:t>
+              <a:t>9/1/2024</a:t>
             </a:fld>
             <a:endParaRPr lang="en-US"/>
           </a:p>
@@ -1136,7 +1142,7 @@
           <a:p>
             <a:fld id="{F38D1DEC-B209-46FD-8804-CE3978FB8D7A}" type="datetimeFigureOut">
               <a:rPr lang="en-US" smtClean="0"/>
-              <a:t>8/28/2024</a:t>
+              <a:t>9/1/2024</a:t>
             </a:fld>
             <a:endParaRPr lang="en-US"/>
           </a:p>
@@ -1401,7 +1407,7 @@
           <a:p>
             <a:fld id="{F38D1DEC-B209-46FD-8804-CE3978FB8D7A}" type="datetimeFigureOut">
               <a:rPr lang="en-US" smtClean="0"/>
-              <a:t>8/28/2024</a:t>
+              <a:t>9/1/2024</a:t>
             </a:fld>
             <a:endParaRPr lang="en-US"/>
           </a:p>
@@ -1813,7 +1819,7 @@
           <a:p>
             <a:fld id="{F38D1DEC-B209-46FD-8804-CE3978FB8D7A}" type="datetimeFigureOut">
               <a:rPr lang="en-US" smtClean="0"/>
-              <a:t>8/28/2024</a:t>
+              <a:t>9/1/2024</a:t>
             </a:fld>
             <a:endParaRPr lang="en-US"/>
           </a:p>
@@ -1954,7 +1960,7 @@
           <a:p>
             <a:fld id="{F38D1DEC-B209-46FD-8804-CE3978FB8D7A}" type="datetimeFigureOut">
               <a:rPr lang="en-US" smtClean="0"/>
-              <a:t>8/28/2024</a:t>
+              <a:t>9/1/2024</a:t>
             </a:fld>
             <a:endParaRPr lang="en-US"/>
           </a:p>
@@ -2067,7 +2073,7 @@
           <a:p>
             <a:fld id="{F38D1DEC-B209-46FD-8804-CE3978FB8D7A}" type="datetimeFigureOut">
               <a:rPr lang="en-US" smtClean="0"/>
-              <a:t>8/28/2024</a:t>
+              <a:t>9/1/2024</a:t>
             </a:fld>
             <a:endParaRPr lang="en-US"/>
           </a:p>
@@ -2378,7 +2384,7 @@
           <a:p>
             <a:fld id="{F38D1DEC-B209-46FD-8804-CE3978FB8D7A}" type="datetimeFigureOut">
               <a:rPr lang="en-US" smtClean="0"/>
-              <a:t>8/28/2024</a:t>
+              <a:t>9/1/2024</a:t>
             </a:fld>
             <a:endParaRPr lang="en-US"/>
           </a:p>
@@ -2666,7 +2672,7 @@
           <a:p>
             <a:fld id="{F38D1DEC-B209-46FD-8804-CE3978FB8D7A}" type="datetimeFigureOut">
               <a:rPr lang="en-US" smtClean="0"/>
-              <a:t>8/28/2024</a:t>
+              <a:t>9/1/2024</a:t>
             </a:fld>
             <a:endParaRPr lang="en-US"/>
           </a:p>
@@ -2907,7 +2913,7 @@
           <a:p>
             <a:fld id="{F38D1DEC-B209-46FD-8804-CE3978FB8D7A}" type="datetimeFigureOut">
               <a:rPr lang="en-US" smtClean="0"/>
-              <a:t>8/28/2024</a:t>
+              <a:t>9/1/2024</a:t>
             </a:fld>
             <a:endParaRPr lang="en-US"/>
           </a:p>
@@ -3646,6 +3652,159 @@
           <p:cNvPr id="2" name="Title 1">
             <a:extLst>
               <a:ext uri="{FF2B5EF4-FFF2-40B4-BE49-F238E27FC236}">
+                <a16:creationId xmlns:a16="http://schemas.microsoft.com/office/drawing/2014/main" id="{87BB940F-E773-3E3F-2083-D9F53C638D35}"/>
+              </a:ext>
+            </a:extLst>
+          </p:cNvPr>
+          <p:cNvSpPr>
+            <a:spLocks noGrp="1"/>
+          </p:cNvSpPr>
+          <p:nvPr>
+            <p:ph type="title"/>
+          </p:nvPr>
+        </p:nvSpPr>
+        <p:spPr/>
+        <p:txBody>
+          <a:bodyPr/>
+          <a:lstStyle/>
+          <a:p>
+            <a:endParaRPr lang="en-US"/>
+          </a:p>
+        </p:txBody>
+      </p:sp>
+      <p:sp>
+        <p:nvSpPr>
+          <p:cNvPr id="3" name="Content Placeholder 2">
+            <a:extLst>
+              <a:ext uri="{FF2B5EF4-FFF2-40B4-BE49-F238E27FC236}">
+                <a16:creationId xmlns:a16="http://schemas.microsoft.com/office/drawing/2014/main" id="{16352C7C-2C7B-9407-205C-5E7AB7850636}"/>
+              </a:ext>
+            </a:extLst>
+          </p:cNvPr>
+          <p:cNvSpPr>
+            <a:spLocks noGrp="1"/>
+          </p:cNvSpPr>
+          <p:nvPr>
+            <p:ph idx="1"/>
+          </p:nvPr>
+        </p:nvSpPr>
+        <p:spPr/>
+        <p:txBody>
+          <a:bodyPr/>
+          <a:lstStyle/>
+          <a:p>
+            <a:r>
+              <a:rPr lang="en-US" dirty="0" err="1"/>
+              <a:t>Smalelr</a:t>
+            </a:r>
+            <a:r>
+              <a:rPr lang="en-US" dirty="0"/>
+              <a:t> bearing</a:t>
+            </a:r>
+          </a:p>
+          <a:p>
+            <a:pPr lvl="1"/>
+            <a:r>
+              <a:rPr lang="en-US" dirty="0">
+                <a:hlinkClick r:id="rId2"/>
+              </a:rPr>
+              <a:t>https://www.servocity.com/5-8-id-x-7-8-od-non-flanged-ball-bearing-2-pack/</a:t>
+            </a:r>
+            <a:endParaRPr lang="en-US" dirty="0"/>
+          </a:p>
+          <a:p>
+            <a:pPr lvl="1"/>
+            <a:r>
+              <a:rPr lang="en-US" dirty="0"/>
+              <a:t>ID Insert to use a diff bearing</a:t>
+            </a:r>
+          </a:p>
+          <a:p>
+            <a:pPr lvl="1"/>
+            <a:r>
+              <a:rPr lang="en-US" dirty="0"/>
+              <a:t>Needles?</a:t>
+            </a:r>
+          </a:p>
+          <a:p>
+            <a:r>
+              <a:rPr lang="en-US" dirty="0"/>
+              <a:t>M2 bolts lmao</a:t>
+            </a:r>
+          </a:p>
+          <a:p>
+            <a:r>
+              <a:rPr lang="en-US" dirty="0"/>
+              <a:t>Or just make pulley size larger</a:t>
+            </a:r>
+          </a:p>
+        </p:txBody>
+      </p:sp>
+      <p:pic>
+        <p:nvPicPr>
+          <p:cNvPr id="5" name="Picture 4">
+            <a:extLst>
+              <a:ext uri="{FF2B5EF4-FFF2-40B4-BE49-F238E27FC236}">
+                <a16:creationId xmlns:a16="http://schemas.microsoft.com/office/drawing/2014/main" id="{BB4BCBC0-E2E0-459D-4949-C6443C148DE3}"/>
+              </a:ext>
+            </a:extLst>
+          </p:cNvPr>
+          <p:cNvPicPr>
+            <a:picLocks noChangeAspect="1"/>
+          </p:cNvPicPr>
+          <p:nvPr/>
+        </p:nvPicPr>
+        <p:blipFill>
+          <a:blip r:embed="rId3"/>
+          <a:stretch>
+            <a:fillRect/>
+          </a:stretch>
+        </p:blipFill>
+        <p:spPr>
+          <a:xfrm>
+            <a:off x="6227739" y="1923000"/>
+            <a:ext cx="4219185" cy="3838831"/>
+          </a:xfrm>
+          <a:prstGeom prst="rect">
+            <a:avLst/>
+          </a:prstGeom>
+        </p:spPr>
+      </p:pic>
+    </p:spTree>
+    <p:extLst>
+      <p:ext uri="{BB962C8B-B14F-4D97-AF65-F5344CB8AC3E}">
+        <p14:creationId xmlns:p14="http://schemas.microsoft.com/office/powerpoint/2010/main" val="1876761706"/>
+      </p:ext>
+    </p:extLst>
+  </p:cSld>
+  <p:clrMapOvr>
+    <a:masterClrMapping/>
+  </p:clrMapOvr>
+</p:sld>
+</file>
+
+<file path=ppt/slides/slide5.xml><?xml version="1.0" encoding="utf-8"?>
+<p:sld xmlns:a="http://schemas.openxmlformats.org/drawingml/2006/main" xmlns:r="http://schemas.openxmlformats.org/officeDocument/2006/relationships" xmlns:p="http://schemas.openxmlformats.org/presentationml/2006/main">
+  <p:cSld>
+    <p:spTree>
+      <p:nvGrpSpPr>
+        <p:cNvPr id="1" name=""/>
+        <p:cNvGrpSpPr/>
+        <p:nvPr/>
+      </p:nvGrpSpPr>
+      <p:grpSpPr>
+        <a:xfrm>
+          <a:off x="0" y="0"/>
+          <a:ext cx="0" cy="0"/>
+          <a:chOff x="0" y="0"/>
+          <a:chExt cx="0" cy="0"/>
+        </a:xfrm>
+      </p:grpSpPr>
+      <p:sp>
+        <p:nvSpPr>
+          <p:cNvPr id="2" name="Title 1">
+            <a:extLst>
+              <a:ext uri="{FF2B5EF4-FFF2-40B4-BE49-F238E27FC236}">
                 <a16:creationId xmlns:a16="http://schemas.microsoft.com/office/drawing/2014/main" id="{776A2293-0B0C-7B3D-82D6-6567AB6E8E4D}"/>
               </a:ext>
             </a:extLst>
@@ -3698,13 +3857,8 @@
           <a:p>
             <a:r>
               <a:rPr lang="en-US" dirty="0"/>
-              <a:t>CAD </a:t>
-            </a:r>
-            <a:r>
-              <a:rPr lang="en-US"/>
-              <a:t>new pullies	</a:t>
-            </a:r>
-            <a:endParaRPr lang="en-US" dirty="0"/>
+              <a:t>CAD new pullies	</a:t>
+            </a:r>
           </a:p>
           <a:p>
             <a:endParaRPr lang="en-US" dirty="0"/>

--- a/Update PPTs/8-28-2024 Chassis Changes.pptx
+++ b/Update PPTs/8-28-2024 Chassis Changes.pptx
@@ -3762,7 +3762,7 @@
         </p:blipFill>
         <p:spPr>
           <a:xfrm>
-            <a:off x="6227739" y="1923000"/>
+            <a:off x="6841430" y="1941411"/>
             <a:ext cx="4219185" cy="3838831"/>
           </a:xfrm>
           <a:prstGeom prst="rect">

--- a/Update PPTs/8-28-2024 Chassis Changes.pptx
+++ b/Update PPTs/8-28-2024 Chassis Changes.pptx
@@ -263,7 +263,7 @@
           <a:p>
             <a:fld id="{F38D1DEC-B209-46FD-8804-CE3978FB8D7A}" type="datetimeFigureOut">
               <a:rPr lang="en-US" smtClean="0"/>
-              <a:t>9/1/2024</a:t>
+              <a:t>9/3/2024</a:t>
             </a:fld>
             <a:endParaRPr lang="en-US"/>
           </a:p>
@@ -461,7 +461,7 @@
           <a:p>
             <a:fld id="{F38D1DEC-B209-46FD-8804-CE3978FB8D7A}" type="datetimeFigureOut">
               <a:rPr lang="en-US" smtClean="0"/>
-              <a:t>9/1/2024</a:t>
+              <a:t>9/3/2024</a:t>
             </a:fld>
             <a:endParaRPr lang="en-US"/>
           </a:p>
@@ -669,7 +669,7 @@
           <a:p>
             <a:fld id="{F38D1DEC-B209-46FD-8804-CE3978FB8D7A}" type="datetimeFigureOut">
               <a:rPr lang="en-US" smtClean="0"/>
-              <a:t>9/1/2024</a:t>
+              <a:t>9/3/2024</a:t>
             </a:fld>
             <a:endParaRPr lang="en-US"/>
           </a:p>
@@ -867,7 +867,7 @@
           <a:p>
             <a:fld id="{F38D1DEC-B209-46FD-8804-CE3978FB8D7A}" type="datetimeFigureOut">
               <a:rPr lang="en-US" smtClean="0"/>
-              <a:t>9/1/2024</a:t>
+              <a:t>9/3/2024</a:t>
             </a:fld>
             <a:endParaRPr lang="en-US"/>
           </a:p>
@@ -1142,7 +1142,7 @@
           <a:p>
             <a:fld id="{F38D1DEC-B209-46FD-8804-CE3978FB8D7A}" type="datetimeFigureOut">
               <a:rPr lang="en-US" smtClean="0"/>
-              <a:t>9/1/2024</a:t>
+              <a:t>9/3/2024</a:t>
             </a:fld>
             <a:endParaRPr lang="en-US"/>
           </a:p>
@@ -1407,7 +1407,7 @@
           <a:p>
             <a:fld id="{F38D1DEC-B209-46FD-8804-CE3978FB8D7A}" type="datetimeFigureOut">
               <a:rPr lang="en-US" smtClean="0"/>
-              <a:t>9/1/2024</a:t>
+              <a:t>9/3/2024</a:t>
             </a:fld>
             <a:endParaRPr lang="en-US"/>
           </a:p>
@@ -1819,7 +1819,7 @@
           <a:p>
             <a:fld id="{F38D1DEC-B209-46FD-8804-CE3978FB8D7A}" type="datetimeFigureOut">
               <a:rPr lang="en-US" smtClean="0"/>
-              <a:t>9/1/2024</a:t>
+              <a:t>9/3/2024</a:t>
             </a:fld>
             <a:endParaRPr lang="en-US"/>
           </a:p>
@@ -1960,7 +1960,7 @@
           <a:p>
             <a:fld id="{F38D1DEC-B209-46FD-8804-CE3978FB8D7A}" type="datetimeFigureOut">
               <a:rPr lang="en-US" smtClean="0"/>
-              <a:t>9/1/2024</a:t>
+              <a:t>9/3/2024</a:t>
             </a:fld>
             <a:endParaRPr lang="en-US"/>
           </a:p>
@@ -2073,7 +2073,7 @@
           <a:p>
             <a:fld id="{F38D1DEC-B209-46FD-8804-CE3978FB8D7A}" type="datetimeFigureOut">
               <a:rPr lang="en-US" smtClean="0"/>
-              <a:t>9/1/2024</a:t>
+              <a:t>9/3/2024</a:t>
             </a:fld>
             <a:endParaRPr lang="en-US"/>
           </a:p>
@@ -2384,7 +2384,7 @@
           <a:p>
             <a:fld id="{F38D1DEC-B209-46FD-8804-CE3978FB8D7A}" type="datetimeFigureOut">
               <a:rPr lang="en-US" smtClean="0"/>
-              <a:t>9/1/2024</a:t>
+              <a:t>9/3/2024</a:t>
             </a:fld>
             <a:endParaRPr lang="en-US"/>
           </a:p>
@@ -2672,7 +2672,7 @@
           <a:p>
             <a:fld id="{F38D1DEC-B209-46FD-8804-CE3978FB8D7A}" type="datetimeFigureOut">
               <a:rPr lang="en-US" smtClean="0"/>
-              <a:t>9/1/2024</a:t>
+              <a:t>9/3/2024</a:t>
             </a:fld>
             <a:endParaRPr lang="en-US"/>
           </a:p>
@@ -2913,7 +2913,7 @@
           <a:p>
             <a:fld id="{F38D1DEC-B209-46FD-8804-CE3978FB8D7A}" type="datetimeFigureOut">
               <a:rPr lang="en-US" smtClean="0"/>
-              <a:t>9/1/2024</a:t>
+              <a:t>9/3/2024</a:t>
             </a:fld>
             <a:endParaRPr lang="en-US"/>
           </a:p>
@@ -3462,7 +3462,11 @@
           <a:bodyPr/>
           <a:lstStyle/>
           <a:p>
-            <a:endParaRPr lang="en-US"/>
+            <a:r>
+              <a:rPr lang="en-US" dirty="0" err="1"/>
+              <a:t>yipee</a:t>
+            </a:r>
+            <a:endParaRPr lang="en-US" dirty="0"/>
           </a:p>
         </p:txBody>
       </p:sp>
